--- a/Week1/Week_1.pptx
+++ b/Week1/Week_1.pptx
@@ -225,7 +225,7 @@
           <a:p>
             <a:fld id="{95C4CF2D-6872-4730-8D02-61A93A3F5357}" type="datetimeFigureOut">
               <a:rPr lang="en-GB" smtClean="0"/>
-              <a:t>05/01/2024</a:t>
+              <a:t>15/01/2024</a:t>
             </a:fld>
             <a:endParaRPr lang="en-GB"/>
           </a:p>
@@ -3481,15 +3481,15 @@
                   <a:schemeClr val="tx1"/>
                 </a:solidFill>
               </a:rPr>
-              <a:t>3. Introduction to R and </a:t>
-            </a:r>
-            <a:r>
-              <a:rPr lang="en-GB" dirty="0" err="1">
-                <a:solidFill>
-                  <a:schemeClr val="tx1"/>
-                </a:solidFill>
-              </a:rPr>
-              <a:t>Rstudio</a:t>
+              <a:t>3. Introduction to R </a:t>
+            </a:r>
+            <a:r>
+              <a:rPr lang="en-GB">
+                <a:solidFill>
+                  <a:schemeClr val="tx1"/>
+                </a:solidFill>
+              </a:rPr>
+              <a:t>and RStudio</a:t>
             </a:r>
             <a:endParaRPr lang="en-GB" dirty="0">
               <a:solidFill>
@@ -11894,7 +11894,7 @@
           <a:p>
             <a:r>
               <a:rPr lang="en-GB" dirty="0"/>
-              <a:t>1. Introduction to the course</a:t>
+              <a:t>1. Introduction to the course - Expectations</a:t>
             </a:r>
           </a:p>
         </p:txBody>
